--- a/rust/Rust-Lecture2.pptx
+++ b/rust/Rust-Lecture2.pptx
@@ -229,7 +229,7 @@
           <a:p>
             <a:fld id="{634F3F22-B4BB-3F48-9180-464A9F2D66D1}" type="datetimeFigureOut">
               <a:rPr kumimoji="1" lang="zh-CN" altLang="en-US" smtClean="0"/>
-              <a:t>2025/5/13</a:t>
+              <a:t>2025/5/14</a:t>
             </a:fld>
             <a:endParaRPr kumimoji="1" lang="zh-CN" altLang="en-US"/>
           </a:p>
@@ -709,7 +709,7 @@
           <a:p>
             <a:fld id="{FC19A4FA-3D9A-4114-B0D5-759CBD56F1AB}" type="datetimeFigureOut">
               <a:rPr lang="zh-CN" altLang="en-US" smtClean="0"/>
-              <a:t>2025/5/13</a:t>
+              <a:t>2025/5/14</a:t>
             </a:fld>
             <a:endParaRPr lang="zh-CN" altLang="en-US"/>
           </a:p>
@@ -912,7 +912,7 @@
           <a:p>
             <a:fld id="{FC19A4FA-3D9A-4114-B0D5-759CBD56F1AB}" type="datetimeFigureOut">
               <a:rPr lang="zh-CN" altLang="en-US" smtClean="0"/>
-              <a:t>2025/5/13</a:t>
+              <a:t>2025/5/14</a:t>
             </a:fld>
             <a:endParaRPr lang="zh-CN" altLang="en-US"/>
           </a:p>
@@ -1090,7 +1090,7 @@
           <a:p>
             <a:fld id="{FC19A4FA-3D9A-4114-B0D5-759CBD56F1AB}" type="datetimeFigureOut">
               <a:rPr lang="zh-CN" altLang="en-US" smtClean="0"/>
-              <a:t>2025/5/13</a:t>
+              <a:t>2025/5/14</a:t>
             </a:fld>
             <a:endParaRPr lang="zh-CN" altLang="en-US"/>
           </a:p>
@@ -1314,7 +1314,7 @@
           <a:p>
             <a:fld id="{FC19A4FA-3D9A-4114-B0D5-759CBD56F1AB}" type="datetimeFigureOut">
               <a:rPr lang="zh-CN" altLang="en-US" smtClean="0"/>
-              <a:t>2025/5/13</a:t>
+              <a:t>2025/5/14</a:t>
             </a:fld>
             <a:endParaRPr lang="zh-CN" altLang="en-US"/>
           </a:p>
@@ -1548,7 +1548,7 @@
           <a:p>
             <a:fld id="{FC19A4FA-3D9A-4114-B0D5-759CBD56F1AB}" type="datetimeFigureOut">
               <a:rPr lang="zh-CN" altLang="en-US" smtClean="0"/>
-              <a:t>2025/5/13</a:t>
+              <a:t>2025/5/14</a:t>
             </a:fld>
             <a:endParaRPr lang="zh-CN" altLang="en-US"/>
           </a:p>
@@ -1947,7 +1947,7 @@
           <a:p>
             <a:fld id="{FC19A4FA-3D9A-4114-B0D5-759CBD56F1AB}" type="datetimeFigureOut">
               <a:rPr lang="zh-CN" altLang="en-US" smtClean="0"/>
-              <a:t>2025/5/13</a:t>
+              <a:t>2025/5/14</a:t>
             </a:fld>
             <a:endParaRPr lang="zh-CN" altLang="en-US"/>
           </a:p>
@@ -2227,7 +2227,7 @@
           <a:p>
             <a:fld id="{FC19A4FA-3D9A-4114-B0D5-759CBD56F1AB}" type="datetimeFigureOut">
               <a:rPr lang="zh-CN" altLang="en-US" smtClean="0"/>
-              <a:t>2025/5/13</a:t>
+              <a:t>2025/5/14</a:t>
             </a:fld>
             <a:endParaRPr lang="zh-CN" altLang="en-US"/>
           </a:p>
@@ -2379,7 +2379,7 @@
           <a:p>
             <a:fld id="{FC19A4FA-3D9A-4114-B0D5-759CBD56F1AB}" type="datetimeFigureOut">
               <a:rPr lang="zh-CN" altLang="en-US" smtClean="0"/>
-              <a:t>2025/5/13</a:t>
+              <a:t>2025/5/14</a:t>
             </a:fld>
             <a:endParaRPr lang="zh-CN" altLang="en-US"/>
           </a:p>
@@ -2509,7 +2509,7 @@
           <a:p>
             <a:fld id="{FC19A4FA-3D9A-4114-B0D5-759CBD56F1AB}" type="datetimeFigureOut">
               <a:rPr lang="zh-CN" altLang="en-US" smtClean="0"/>
-              <a:t>2025/5/13</a:t>
+              <a:t>2025/5/14</a:t>
             </a:fld>
             <a:endParaRPr lang="zh-CN" altLang="en-US"/>
           </a:p>
@@ -2819,7 +2819,7 @@
           <a:p>
             <a:fld id="{FC19A4FA-3D9A-4114-B0D5-759CBD56F1AB}" type="datetimeFigureOut">
               <a:rPr lang="zh-CN" altLang="en-US" smtClean="0"/>
-              <a:t>2025/5/13</a:t>
+              <a:t>2025/5/14</a:t>
             </a:fld>
             <a:endParaRPr lang="zh-CN" altLang="en-US"/>
           </a:p>
@@ -3106,7 +3106,7 @@
           <a:p>
             <a:fld id="{FC19A4FA-3D9A-4114-B0D5-759CBD56F1AB}" type="datetimeFigureOut">
               <a:rPr lang="zh-CN" altLang="en-US" smtClean="0"/>
-              <a:t>2025/5/13</a:t>
+              <a:t>2025/5/14</a:t>
             </a:fld>
             <a:endParaRPr lang="zh-CN" altLang="en-US"/>
           </a:p>
@@ -3399,7 +3399,7 @@
           <a:p>
             <a:fld id="{FC19A4FA-3D9A-4114-B0D5-759CBD56F1AB}" type="datetimeFigureOut">
               <a:rPr lang="zh-CN" altLang="en-US" smtClean="0"/>
-              <a:t>2025/5/13</a:t>
+              <a:t>2025/5/14</a:t>
             </a:fld>
             <a:endParaRPr lang="zh-CN" altLang="en-US"/>
           </a:p>
@@ -5393,31 +5393,7 @@
                 <a:ea typeface="宋体" panose="02010600030101010101" pitchFamily="2" charset="-122"/>
                 <a:cs typeface="Times New Roman" panose="02020603050405020304" pitchFamily="18" charset="0"/>
               </a:rPr>
-              <a:t> </a:t>
-            </a:r>
-            <a:r>
-              <a:rPr lang="en-US" altLang="zh-CN" sz="1800" u="sng" kern="0" dirty="0">
-                <a:solidFill>
-                  <a:srgbClr val="000000"/>
-                </a:solidFill>
-                <a:effectLst/>
-                <a:latin typeface="Menlo" panose="020B0609030804020204" pitchFamily="49" charset="0"/>
-                <a:ea typeface="宋体" panose="02010600030101010101" pitchFamily="2" charset="-122"/>
-                <a:cs typeface="Times New Roman" panose="02020603050405020304" pitchFamily="18" charset="0"/>
-              </a:rPr>
-              <a:t>+=</a:t>
-            </a:r>
-            <a:r>
-              <a:rPr lang="en-US" altLang="zh-CN" sz="1800" kern="0" dirty="0">
-                <a:solidFill>
-                  <a:srgbClr val="000000"/>
-                </a:solidFill>
-                <a:effectLst/>
-                <a:latin typeface="Menlo" panose="020B0609030804020204" pitchFamily="49" charset="0"/>
-                <a:ea typeface="宋体" panose="02010600030101010101" pitchFamily="2" charset="-122"/>
-                <a:cs typeface="Times New Roman" panose="02020603050405020304" pitchFamily="18" charset="0"/>
-              </a:rPr>
-              <a:t> </a:t>
+              <a:t> += </a:t>
             </a:r>
             <a:r>
               <a:rPr lang="en-US" altLang="zh-CN" sz="1800" kern="0" dirty="0">
